--- a/Timsort.pptx
+++ b/Timsort.pptx
@@ -3519,7 +3519,7 @@
             </a:r>
             <a:r>
               <a:rPr lang="ru-RU" dirty="0"/>
-              <a:t>[i] может участвовать в не более O(</a:t>
+              <a:t>[i] может участвовать в не более </a:t>
             </a:r>
             <a:r>
               <a:rPr lang="ru-RU" dirty="0" err="1"/>
@@ -3527,7 +3527,7 @@
             </a:r>
             <a:r>
               <a:rPr lang="ru-RU" dirty="0"/>
-              <a:t> n) операций слияния, а значит и каждый элемент будет задействован в сравнениях не более O(</a:t>
+              <a:t> n операций слияния, а значит и каждый элемент будет задействован в сравнениях не более </a:t>
             </a:r>
             <a:r>
               <a:rPr lang="ru-RU" dirty="0" err="1"/>
@@ -3535,7 +3535,15 @@
             </a:r>
             <a:r>
               <a:rPr lang="ru-RU" dirty="0"/>
-              <a:t> n) раз. Элементов n, откуда получаем оценку в </a:t>
+              <a:t> n</a:t>
+            </a:r>
+            <a:r>
+              <a:rPr lang="en-US" dirty="0"/>
+              <a:t> </a:t>
+            </a:r>
+            <a:r>
+              <a:rPr lang="ru-RU" dirty="0"/>
+              <a:t>раз. Элементов n, откуда получаем оценку в </a:t>
             </a:r>
             <a:r>
               <a:rPr lang="ru-RU" b="1" dirty="0"/>
@@ -3765,7 +3773,9 @@
         </p:nvSpPr>
         <p:spPr/>
         <p:txBody>
-          <a:bodyPr/>
+          <a:bodyPr>
+            <a:normAutofit lnSpcReduction="10000"/>
+          </a:bodyPr>
           <a:lstStyle/>
           <a:p>
             <a:pPr marL="0" indent="0">
@@ -3799,20 +3809,27 @@
             <a:endParaRPr lang="ru-RU" dirty="0"/>
           </a:p>
           <a:p>
-            <a:pPr marL="0" indent="0">
+            <a:pPr marL="0" indent="0" algn="ctr">
               <a:buNone/>
             </a:pPr>
-            <a:endParaRPr lang="en-US" dirty="0"/>
+            <a:r>
+              <a:rPr lang="ru-RU" sz="6000" dirty="0"/>
+              <a:t>Репозиторий с кодом</a:t>
+            </a:r>
+            <a:r>
+              <a:rPr lang="en-US" sz="6000" dirty="0"/>
+              <a:t>:</a:t>
+            </a:r>
           </a:p>
           <a:p>
             <a:pPr marL="0" indent="0" algn="ctr">
               <a:buNone/>
             </a:pPr>
             <a:r>
-              <a:rPr lang="ru-RU" sz="6000" dirty="0">
+              <a:rPr lang="en-US" sz="6000" dirty="0">
                 <a:hlinkClick r:id="rId2"/>
               </a:rPr>
-              <a:t>Репозиторий с кодом</a:t>
+              <a:t>https://github.com/ge1up/semesterWorkFirst_TimSort</a:t>
             </a:r>
             <a:endParaRPr lang="en-US" sz="6000" dirty="0"/>
           </a:p>
@@ -4367,7 +4384,7 @@
           <a:p>
             <a:r>
               <a:rPr lang="ru-RU" dirty="0"/>
-              <a:t>Алгоритм нахождение точного числа простой</a:t>
+              <a:t>Алгоритм нахождения точного числа простой</a:t>
             </a:r>
             <a:r>
               <a:rPr lang="en-US" dirty="0"/>
@@ -4375,7 +4392,7 @@
             </a:r>
             <a:r>
               <a:rPr lang="ru-RU" dirty="0"/>
-              <a:t> берутся первый 6 бит из двоичного представления числа </a:t>
+              <a:t> берутся первые 6 бит из двоичного представления числа </a:t>
             </a:r>
             <a:r>
               <a:rPr lang="en-US" dirty="0"/>
@@ -4486,7 +4503,26 @@
                 <a:effectLst/>
                 <a:latin typeface="-apple-system"/>
               </a:rPr>
-              <a:t>Основной цикл алгоритма начинается не с 0-го элемента а с 1-го, потому что элемент до 1-го элемента будет нашей отсортированной последовательностью (помним что массив состоящий из одного элемента является отсортированным). </a:t>
+              <a:t>Основной цикл алгоритма начинается не с 0-го элемента а с 1-го, потому что нулевой</a:t>
+            </a:r>
+            <a:r>
+              <a:rPr lang="ru-RU" sz="2400" dirty="0">
+                <a:solidFill>
+                  <a:srgbClr val="111111"/>
+                </a:solidFill>
+                <a:latin typeface="-apple-system"/>
+              </a:rPr>
+              <a:t> </a:t>
+            </a:r>
+            <a:r>
+              <a:rPr lang="ru-RU" sz="2400" b="0" i="0" dirty="0">
+                <a:solidFill>
+                  <a:srgbClr val="111111"/>
+                </a:solidFill>
+                <a:effectLst/>
+                <a:latin typeface="-apple-system"/>
+              </a:rPr>
+              <a:t>элемент будет нашей отсортированной последовательностью (помним что массив состоящий из одного элемента является отсортированным). </a:t>
             </a:r>
             <a:endParaRPr lang="ru-RU" sz="2400" dirty="0"/>
           </a:p>
@@ -5016,26 +5052,23 @@
             </a:r>
             <a:r>
               <a:rPr lang="ru-RU" sz="1800" dirty="0"/>
-              <a:t>Пусть X,Y,Z — длины верхних трех интервалов, которые лежат в стеке. Причем X — это последний элемент стека (если интервалов меньше трёх, проверяем лишь условия с оставшимися интервалами).</a:t>
-            </a:r>
-          </a:p>
-          <a:p>
+              <a:t>Пусть X,Y,Z — длины верхних трех интервалов, которые лежат в стеке. Причем X — это последний элемент стека.</a:t>
+            </a:r>
             <a:r>
               <a:rPr lang="ru-RU" sz="1800" b="1" dirty="0"/>
-              <a:t>Шаг 4. </a:t>
+              <a:t> </a:t>
             </a:r>
             <a:r>
               <a:rPr lang="ru-RU" sz="1800" dirty="0"/>
-              <a:t>Повторяем пока выражение размер стека не равен 1. Если размер стека не меньше 2 и Y ⩽ X </a:t>
-            </a:r>
-          </a:p>
-          <a:p>
-            <a:pPr marL="0" indent="0">
-              <a:buNone/>
-            </a:pPr>
+              <a:t>Повторяем пока размер стека не равен 1. Если размер стека не меньше 2 и Y ⩽ X или мы уже добавили в стек все </a:t>
+            </a:r>
+            <a:r>
+              <a:rPr lang="ru-RU" sz="1800" dirty="0" err="1"/>
+              <a:t>подмассивы</a:t>
+            </a:r>
             <a:r>
               <a:rPr lang="ru-RU" sz="1800" dirty="0"/>
-              <a:t>— сливаем X c Y. Если размер стека не меньше 3 и Z ⩽ X+Y — сливаем Y c </a:t>
+              <a:t> и второе условие не выполняется — сливаем X c Y. Если размер стека не меньше 3 и Z ⩽ X+Y — сливаем Y c </a:t>
             </a:r>
             <a:r>
               <a:rPr lang="ru-RU" sz="1800" dirty="0" err="1"/>
@@ -5043,17 +5076,15 @@
             </a:r>
             <a:r>
               <a:rPr lang="ru-RU" sz="1800" dirty="0"/>
-              <a:t>(X, Z).</a:t>
-            </a:r>
-          </a:p>
-          <a:p>
-            <a:r>
-              <a:rPr lang="ru-RU" sz="1800" b="1" dirty="0"/>
-              <a:t>Шаг 5. </a:t>
+              <a:t>(X, Z). Если в стеке остался один элемент и все </a:t>
+            </a:r>
+            <a:r>
+              <a:rPr lang="ru-RU" sz="1800" dirty="0" err="1"/>
+              <a:t>подмассивы</a:t>
             </a:r>
             <a:r>
               <a:rPr lang="ru-RU" sz="1800" dirty="0"/>
-              <a:t>Переходим к шагу 2.</a:t>
+              <a:t> уже были добавлены в стек, заканчиваем слияние, иначе переходим к шагу 2.</a:t>
             </a:r>
           </a:p>
         </p:txBody>
